--- a/slides/01-llms.pptx
+++ b/slides/01-llms.pptx
@@ -122,6 +122,9 @@
   <p:extLst>
     <p:ext uri="{EFAFB233-063F-42B5-8137-9DF3F51BA10A}">
       <p15:sldGuideLst xmlns:p15="http://schemas.microsoft.com/office/powerpoint/2012/main"/>
+    </p:ext>
+    <p:ext uri="{2D200454-40CA-4A62-9FC3-DE9A4176ACB9}">
+      <p15:notesGuideLst xmlns:p15="http://schemas.microsoft.com/office/powerpoint/2012/main"/>
     </p:ext>
   </p:extLst>
 </p:presentation>
@@ -383,7 +386,7 @@
           <a:p>
             <a:fld id="{855B53BB-9CA8-4E36-AA7C-C10D869BF69A}" type="datetimeFigureOut">
               <a:rPr lang="en-US" smtClean="0"/>
-              <a:t>8/5/24</a:t>
+              <a:t>9/27/24</a:t>
             </a:fld>
             <a:endParaRPr lang="en-US"/>
           </a:p>
@@ -1069,7 +1072,7 @@
                 <a:tabLst/>
                 <a:defRPr/>
               </a:pPr>
-              <a:t>8/5/24 4:11 PM</a:t>
+              <a:t>9/27/24 3:45 PM</a:t>
             </a:fld>
             <a:endParaRPr kumimoji="0" lang="en-US" sz="1200" b="0" i="0" u="none" strike="noStrike" kern="1200" cap="none" spc="0" normalizeH="0" baseline="0" noProof="0" dirty="0">
               <a:ln>
@@ -1593,7 +1596,7 @@
                 <a:tabLst/>
                 <a:defRPr/>
               </a:pPr>
-              <a:t>8/5/24 4:11 PM</a:t>
+              <a:t>9/27/24 3:45 PM</a:t>
             </a:fld>
             <a:endParaRPr kumimoji="0" lang="en-US" sz="1200" b="0" i="0" u="none" strike="noStrike" kern="1200" cap="none" spc="0" normalizeH="0" baseline="0" noProof="0" dirty="0">
               <a:ln>
@@ -2058,7 +2061,7 @@
                 <a:tabLst/>
                 <a:defRPr/>
               </a:pPr>
-              <a:t>8/5/24 4:11 PM</a:t>
+              <a:t>9/27/24 3:45 PM</a:t>
             </a:fld>
             <a:endParaRPr kumimoji="0" lang="en-US" sz="1200" b="0" i="0" u="none" strike="noStrike" kern="1200" cap="none" spc="0" normalizeH="0" baseline="0" noProof="0" dirty="0">
               <a:ln>
@@ -2463,7 +2466,7 @@
                 <a:tabLst/>
                 <a:defRPr/>
               </a:pPr>
-              <a:t>8/5/24 4:11 PM</a:t>
+              <a:t>9/27/24 3:45 PM</a:t>
             </a:fld>
             <a:endParaRPr kumimoji="0" lang="en-US" sz="1200" b="0" i="0" u="none" strike="noStrike" kern="1200" cap="none" spc="0" normalizeH="0" baseline="0" noProof="0" dirty="0">
               <a:ln>
@@ -2914,7 +2917,7 @@
                 <a:tabLst/>
                 <a:defRPr/>
               </a:pPr>
-              <a:t>8/5/24 4:11 PM</a:t>
+              <a:t>9/27/24 3:45 PM</a:t>
             </a:fld>
             <a:endParaRPr kumimoji="0" lang="en-US" sz="1200" b="0" i="0" u="none" strike="noStrike" kern="1200" cap="none" spc="0" normalizeH="0" baseline="0" noProof="0" dirty="0">
               <a:ln>
@@ -3584,7 +3587,7 @@
                 <a:tabLst/>
                 <a:defRPr/>
               </a:pPr>
-              <a:t>8/5/24 4:11 PM</a:t>
+              <a:t>9/27/24 3:45 PM</a:t>
             </a:fld>
             <a:endParaRPr kumimoji="0" lang="en-US" sz="1200" b="0" i="0" u="none" strike="noStrike" kern="1200" cap="none" spc="0" normalizeH="0" baseline="0" noProof="0" dirty="0">
               <a:ln>
@@ -4171,7 +4174,7 @@
                 <a:tabLst/>
                 <a:defRPr/>
               </a:pPr>
-              <a:t>8/5/24 4:11 PM</a:t>
+              <a:t>9/27/24 3:45 PM</a:t>
             </a:fld>
             <a:endParaRPr kumimoji="0" lang="en-US" sz="1200" b="0" i="0" u="none" strike="noStrike" kern="1200" cap="none" spc="0" normalizeH="0" baseline="0" noProof="0" dirty="0">
               <a:ln>
@@ -4552,7 +4555,7 @@
                 <a:tabLst/>
                 <a:defRPr/>
               </a:pPr>
-              <a:t>8/5/24 4:11 PM</a:t>
+              <a:t>9/27/24 3:45 PM</a:t>
             </a:fld>
             <a:endParaRPr kumimoji="0" lang="en-US" sz="1200" b="0" i="0" u="none" strike="noStrike" kern="1200" cap="none" spc="0" normalizeH="0" baseline="0" noProof="0" dirty="0">
               <a:ln>
@@ -4943,7 +4946,7 @@
                 <a:tabLst/>
                 <a:defRPr/>
               </a:pPr>
-              <a:t>8/5/24 4:11 PM</a:t>
+              <a:t>9/27/24 3:45 PM</a:t>
             </a:fld>
             <a:endParaRPr kumimoji="0" lang="en-US" sz="1200" b="0" i="0" u="none" strike="noStrike" kern="1200" cap="none" spc="0" normalizeH="0" baseline="0" noProof="0" dirty="0">
               <a:ln>
@@ -5486,7 +5489,7 @@
                 <a:tabLst/>
                 <a:defRPr/>
               </a:pPr>
-              <a:t>8/5/24 4:11 PM</a:t>
+              <a:t>9/27/24 3:45 PM</a:t>
             </a:fld>
             <a:endParaRPr kumimoji="0" lang="en-US" sz="1200" b="0" i="0" u="none" strike="noStrike" kern="1200" cap="none" spc="0" normalizeH="0" baseline="0" noProof="0" dirty="0">
               <a:ln>
@@ -23637,6 +23640,9 @@
               <a:ext uri="{FF2B5EF4-FFF2-40B4-BE49-F238E27FC236}">
                 <a16:creationId xmlns:a16="http://schemas.microsoft.com/office/drawing/2014/main" id="{D730A1E3-E31B-63F1-C78B-42C95BF473D8}"/>
               </a:ext>
+              <a:ext uri="{C183D7F6-B498-43B3-948B-1728B52AA6E4}">
+                <adec:decorative xmlns:adec="http://schemas.microsoft.com/office/drawing/2017/decorative" val="1"/>
+              </a:ext>
             </a:extLst>
           </p:cNvPr>
           <p:cNvSpPr/>
@@ -23695,6 +23701,41 @@
               <a:ea typeface="Segoe UI" pitchFamily="34" charset="0"/>
               <a:cs typeface="Segoe UI" pitchFamily="34" charset="0"/>
             </a:endParaRPr>
+          </a:p>
+        </p:txBody>
+      </p:sp>
+      <p:sp>
+        <p:nvSpPr>
+          <p:cNvPr id="2" name="Title 1">
+            <a:extLst>
+              <a:ext uri="{FF2B5EF4-FFF2-40B4-BE49-F238E27FC236}">
+                <a16:creationId xmlns:a16="http://schemas.microsoft.com/office/drawing/2014/main" id="{8E0A8C71-0266-88A8-A82D-376741A16BF5}"/>
+              </a:ext>
+            </a:extLst>
+          </p:cNvPr>
+          <p:cNvSpPr>
+            <a:spLocks noGrp="1"/>
+          </p:cNvSpPr>
+          <p:nvPr>
+            <p:ph type="title"/>
+          </p:nvPr>
+        </p:nvSpPr>
+        <p:spPr>
+          <a:xfrm>
+            <a:off x="588263" y="-553998"/>
+            <a:ext cx="11018520" cy="553998"/>
+          </a:xfrm>
+        </p:spPr>
+        <p:txBody>
+          <a:bodyPr vert="horz" wrap="square" lIns="0" tIns="0" rIns="0" bIns="0" rtlCol="0" anchor="b">
+            <a:spAutoFit/>
+          </a:bodyPr>
+          <a:lstStyle/>
+          <a:p>
+            <a:r>
+              <a:rPr lang="en-FR" dirty="0"/>
+              <a:t>Mind the bias</a:t>
+            </a:r>
           </a:p>
         </p:txBody>
       </p:sp>
@@ -23748,45 +23789,13 @@
       </p:grpSpPr>
       <p:sp>
         <p:nvSpPr>
-          <p:cNvPr id="17" name="Title 16">
-            <a:extLst>
-              <a:ext uri="{FF2B5EF4-FFF2-40B4-BE49-F238E27FC236}">
-                <a16:creationId xmlns:a16="http://schemas.microsoft.com/office/drawing/2014/main" id="{E50DECC2-BAF4-A56D-C19E-EF56C84AE5E7}"/>
-              </a:ext>
-            </a:extLst>
-          </p:cNvPr>
-          <p:cNvSpPr>
-            <a:spLocks noGrp="1"/>
-          </p:cNvSpPr>
-          <p:nvPr>
-            <p:ph type="title"/>
-          </p:nvPr>
-        </p:nvSpPr>
-        <p:spPr>
-          <a:xfrm>
-            <a:off x="588263" y="457200"/>
-            <a:ext cx="11018520" cy="553998"/>
-          </a:xfrm>
-        </p:spPr>
-        <p:txBody>
-          <a:bodyPr wrap="square" anchor="t">
-            <a:normAutofit/>
-          </a:bodyPr>
-          <a:lstStyle/>
-          <a:p>
-            <a:r>
-              <a:rPr lang="en-US" dirty="0"/>
-              <a:t>Responsible AI</a:t>
-            </a:r>
-          </a:p>
-        </p:txBody>
-      </p:sp>
-      <p:sp>
-        <p:nvSpPr>
           <p:cNvPr id="9" name="Double Bracket 8">
             <a:extLst>
               <a:ext uri="{FF2B5EF4-FFF2-40B4-BE49-F238E27FC236}">
                 <a16:creationId xmlns:a16="http://schemas.microsoft.com/office/drawing/2014/main" id="{BE4B8D98-1226-2ACC-9CDF-75D37AAED71E}"/>
+              </a:ext>
+              <a:ext uri="{C183D7F6-B498-43B3-948B-1728B52AA6E4}">
+                <adec:decorative xmlns:adec="http://schemas.microsoft.com/office/drawing/2017/decorative" val="1"/>
               </a:ext>
             </a:extLst>
           </p:cNvPr>
@@ -23835,6 +23844,9 @@
             <a:extLst>
               <a:ext uri="{FF2B5EF4-FFF2-40B4-BE49-F238E27FC236}">
                 <a16:creationId xmlns:a16="http://schemas.microsoft.com/office/drawing/2014/main" id="{58E52C34-643F-D99A-44F8-F06F7156F053}"/>
+              </a:ext>
+              <a:ext uri="{C183D7F6-B498-43B3-948B-1728B52AA6E4}">
+                <adec:decorative xmlns:adec="http://schemas.microsoft.com/office/drawing/2017/decorative" val="1"/>
               </a:ext>
             </a:extLst>
           </p:cNvPr>
@@ -23907,6 +23919,9 @@
               <a:ext uri="{FF2B5EF4-FFF2-40B4-BE49-F238E27FC236}">
                 <a16:creationId xmlns:a16="http://schemas.microsoft.com/office/drawing/2014/main" id="{1DB77759-F239-ADCD-4781-797F53DF27AE}"/>
               </a:ext>
+              <a:ext uri="{C183D7F6-B498-43B3-948B-1728B52AA6E4}">
+                <adec:decorative xmlns:adec="http://schemas.microsoft.com/office/drawing/2017/decorative" val="1"/>
+              </a:ext>
             </a:extLst>
           </p:cNvPr>
           <p:cNvSpPr/>
@@ -23971,6 +23986,64 @@
           </a:p>
         </p:txBody>
       </p:sp>
+      <p:sp>
+        <p:nvSpPr>
+          <p:cNvPr id="8" name="TextBox 7">
+            <a:extLst>
+              <a:ext uri="{FF2B5EF4-FFF2-40B4-BE49-F238E27FC236}">
+                <a16:creationId xmlns:a16="http://schemas.microsoft.com/office/drawing/2014/main" id="{8FD46908-4BA9-C6FE-3D3E-42E29B2435F7}"/>
+              </a:ext>
+            </a:extLst>
+          </p:cNvPr>
+          <p:cNvSpPr txBox="1">
+            <a:spLocks/>
+          </p:cNvSpPr>
+          <p:nvPr/>
+        </p:nvSpPr>
+        <p:spPr>
+          <a:xfrm>
+            <a:off x="4064994" y="6045069"/>
+            <a:ext cx="4062009" cy="430887"/>
+          </a:xfrm>
+          <a:prstGeom prst="rect">
+            <a:avLst/>
+          </a:prstGeom>
+          <a:noFill/>
+        </p:spPr>
+        <p:txBody>
+          <a:bodyPr wrap="none" lIns="0" tIns="0" rIns="0" bIns="0" rtlCol="0">
+            <a:spAutoFit/>
+          </a:bodyPr>
+          <a:lstStyle/>
+          <a:p>
+            <a:pPr algn="l"/>
+            <a:r>
+              <a:rPr lang="en-FR" sz="2800" dirty="0"/>
+              <a:t>Learn more at </a:t>
+            </a:r>
+            <a:r>
+              <a:rPr lang="en-FR" sz="2800" dirty="0">
+                <a:solidFill>
+                  <a:schemeClr val="tx2"/>
+                </a:solidFill>
+                <a:hlinkClick r:id="rId3">
+                  <a:extLst>
+                    <a:ext uri="{A12FA001-AC4F-418D-AE19-62706E023703}">
+                      <ahyp:hlinkClr xmlns:ahyp="http://schemas.microsoft.com/office/drawing/2018/hyperlinkcolor" val="tx"/>
+                    </a:ext>
+                  </a:extLst>
+                </a:hlinkClick>
+              </a:rPr>
+              <a:t>aka.ms/RAI</a:t>
+            </a:r>
+            <a:endParaRPr lang="en-FR" sz="2800" dirty="0">
+              <a:solidFill>
+                <a:schemeClr val="tx2"/>
+              </a:solidFill>
+            </a:endParaRPr>
+          </a:p>
+        </p:txBody>
+      </p:sp>
       <p:pic>
         <p:nvPicPr>
           <p:cNvPr id="5122" name="Picture 2" descr=" Diagram of the six principles of Microsoft Responsible AI, which encompass fairness, reliability and safety, privacy and security, inclusiveness, transparency, and accountability.">
@@ -23986,7 +24059,7 @@
           <p:nvPr/>
         </p:nvPicPr>
         <p:blipFill>
-          <a:blip r:embed="rId3">
+          <a:blip r:embed="rId4">
             <a:extLst>
               <a:ext uri="{28A0092B-C50C-407E-A947-70E740481C1C}">
                 <a14:useLocalDpi xmlns:a14="http://schemas.microsoft.com/office/drawing/2010/main" val="0"/>
@@ -24012,57 +24085,36 @@
       </p:pic>
       <p:sp>
         <p:nvSpPr>
-          <p:cNvPr id="8" name="TextBox 7">
-            <a:extLst>
-              <a:ext uri="{FF2B5EF4-FFF2-40B4-BE49-F238E27FC236}">
-                <a16:creationId xmlns:a16="http://schemas.microsoft.com/office/drawing/2014/main" id="{8FD46908-4BA9-C6FE-3D3E-42E29B2435F7}"/>
-              </a:ext>
-            </a:extLst>
-          </p:cNvPr>
-          <p:cNvSpPr txBox="1"/>
-          <p:nvPr/>
+          <p:cNvPr id="17" name="Title 16">
+            <a:extLst>
+              <a:ext uri="{FF2B5EF4-FFF2-40B4-BE49-F238E27FC236}">
+                <a16:creationId xmlns:a16="http://schemas.microsoft.com/office/drawing/2014/main" id="{E50DECC2-BAF4-A56D-C19E-EF56C84AE5E7}"/>
+              </a:ext>
+            </a:extLst>
+          </p:cNvPr>
+          <p:cNvSpPr>
+            <a:spLocks noGrp="1"/>
+          </p:cNvSpPr>
+          <p:nvPr>
+            <p:ph type="title"/>
+          </p:nvPr>
         </p:nvSpPr>
         <p:spPr>
           <a:xfrm>
-            <a:off x="4064994" y="6045069"/>
-            <a:ext cx="4062009" cy="430887"/>
+            <a:off x="588263" y="457200"/>
+            <a:ext cx="11018520" cy="553998"/>
           </a:xfrm>
-          <a:prstGeom prst="rect">
-            <a:avLst/>
-          </a:prstGeom>
-          <a:noFill/>
         </p:spPr>
         <p:txBody>
-          <a:bodyPr wrap="none" lIns="0" tIns="0" rIns="0" bIns="0" rtlCol="0">
-            <a:spAutoFit/>
+          <a:bodyPr wrap="square" anchor="t">
+            <a:normAutofit/>
           </a:bodyPr>
           <a:lstStyle/>
           <a:p>
-            <a:pPr algn="l"/>
-            <a:r>
-              <a:rPr lang="en-FR" sz="2800" dirty="0"/>
-              <a:t>Learn more at </a:t>
-            </a:r>
-            <a:r>
-              <a:rPr lang="en-FR" sz="2800" dirty="0">
-                <a:solidFill>
-                  <a:schemeClr val="tx2"/>
-                </a:solidFill>
-                <a:hlinkClick r:id="rId4">
-                  <a:extLst>
-                    <a:ext uri="{A12FA001-AC4F-418D-AE19-62706E023703}">
-                      <ahyp:hlinkClr xmlns:ahyp="http://schemas.microsoft.com/office/drawing/2018/hyperlinkcolor" val="tx"/>
-                    </a:ext>
-                  </a:extLst>
-                </a:hlinkClick>
-              </a:rPr>
-              <a:t>aka.ms/RAI</a:t>
-            </a:r>
-            <a:endParaRPr lang="en-FR" sz="2800" dirty="0">
-              <a:solidFill>
-                <a:schemeClr val="tx2"/>
-              </a:solidFill>
-            </a:endParaRPr>
+            <a:r>
+              <a:rPr lang="en-US" dirty="0"/>
+              <a:t>Responsible AI</a:t>
+            </a:r>
           </a:p>
         </p:txBody>
       </p:sp>
@@ -25290,38 +25342,9 @@
           <a:chExt cx="0" cy="0"/>
         </a:xfrm>
       </p:grpSpPr>
-      <p:sp>
-        <p:nvSpPr>
-          <p:cNvPr id="17" name="Title 16">
-            <a:extLst>
-              <a:ext uri="{FF2B5EF4-FFF2-40B4-BE49-F238E27FC236}">
-                <a16:creationId xmlns:a16="http://schemas.microsoft.com/office/drawing/2014/main" id="{DCE223A3-CCB7-B5C2-C8D9-5C6F328CA17B}"/>
-              </a:ext>
-            </a:extLst>
-          </p:cNvPr>
-          <p:cNvSpPr>
-            <a:spLocks noGrp="1"/>
-          </p:cNvSpPr>
-          <p:nvPr>
-            <p:ph type="title"/>
-          </p:nvPr>
-        </p:nvSpPr>
-        <p:spPr/>
-        <p:txBody>
-          <a:bodyPr/>
-          <a:lstStyle/>
-          <a:p>
-            <a:pPr algn="ctr"/>
-            <a:r>
-              <a:rPr lang="en-US" dirty="0"/>
-              <a:t>Training</a:t>
-            </a:r>
-          </a:p>
-        </p:txBody>
-      </p:sp>
       <p:pic>
         <p:nvPicPr>
-          <p:cNvPr id="1026" name="Picture 2">
+          <p:cNvPr id="1026" name="Picture 2" descr="A diagram showing the different stages of AI training:&#10;- pre-training on general web data&#10;- fine-tuning on domain-specific data&#10;- reinforcement learning with human feedback">
             <a:extLst>
               <a:ext uri="{FF2B5EF4-FFF2-40B4-BE49-F238E27FC236}">
                 <a16:creationId xmlns:a16="http://schemas.microsoft.com/office/drawing/2014/main" id="{19070E64-0BBE-4275-827A-2856082A189D}"/>
@@ -25372,6 +25395,9 @@
             <a:extLst>
               <a:ext uri="{FF2B5EF4-FFF2-40B4-BE49-F238E27FC236}">
                 <a16:creationId xmlns:a16="http://schemas.microsoft.com/office/drawing/2014/main" id="{2E354CD5-8CCC-75B0-AD4E-37DC391288C4}"/>
+              </a:ext>
+              <a:ext uri="{C183D7F6-B498-43B3-948B-1728B52AA6E4}">
+                <adec:decorative xmlns:adec="http://schemas.microsoft.com/office/drawing/2017/decorative" val="1"/>
               </a:ext>
             </a:extLst>
           </p:cNvPr>
@@ -25540,6 +25566,9 @@
               <a:ext uri="{FF2B5EF4-FFF2-40B4-BE49-F238E27FC236}">
                 <a16:creationId xmlns:a16="http://schemas.microsoft.com/office/drawing/2014/main" id="{6AF37EE3-F7D2-A8A8-F45B-A61D2C54231D}"/>
               </a:ext>
+              <a:ext uri="{C183D7F6-B498-43B3-948B-1728B52AA6E4}">
+                <adec:decorative xmlns:adec="http://schemas.microsoft.com/office/drawing/2017/decorative" val="1"/>
+              </a:ext>
             </a:extLst>
           </p:cNvPr>
           <p:cNvSpPr/>
@@ -25613,6 +25642,9 @@
               <a:ext uri="{FF2B5EF4-FFF2-40B4-BE49-F238E27FC236}">
                 <a16:creationId xmlns:a16="http://schemas.microsoft.com/office/drawing/2014/main" id="{62EF3180-8FE8-A5CC-F546-60D1BC8CD4B3}"/>
               </a:ext>
+              <a:ext uri="{C183D7F6-B498-43B3-948B-1728B52AA6E4}">
+                <adec:decorative xmlns:adec="http://schemas.microsoft.com/office/drawing/2017/decorative" val="1"/>
+              </a:ext>
             </a:extLst>
           </p:cNvPr>
           <p:cNvSpPr/>
@@ -25685,6 +25717,9 @@
             <a:extLst>
               <a:ext uri="{FF2B5EF4-FFF2-40B4-BE49-F238E27FC236}">
                 <a16:creationId xmlns:a16="http://schemas.microsoft.com/office/drawing/2014/main" id="{ED0509A1-581A-765B-81F4-248FE3867DF4}"/>
+              </a:ext>
+              <a:ext uri="{C183D7F6-B498-43B3-948B-1728B52AA6E4}">
+                <adec:decorative xmlns:adec="http://schemas.microsoft.com/office/drawing/2017/decorative" val="1"/>
               </a:ext>
             </a:extLst>
           </p:cNvPr>
@@ -25926,6 +25961,9 @@
               <a:ext uri="{FF2B5EF4-FFF2-40B4-BE49-F238E27FC236}">
                 <a16:creationId xmlns:a16="http://schemas.microsoft.com/office/drawing/2014/main" id="{2FC4A255-B985-DB26-4D97-78FB95AC750F}"/>
               </a:ext>
+              <a:ext uri="{C183D7F6-B498-43B3-948B-1728B52AA6E4}">
+                <adec:decorative xmlns:adec="http://schemas.microsoft.com/office/drawing/2017/decorative" val="1"/>
+              </a:ext>
             </a:extLst>
           </p:cNvPr>
           <p:cNvSpPr/>
@@ -25989,6 +26027,35 @@
               <a:ea typeface="Segoe UI" pitchFamily="34" charset="0"/>
               <a:cs typeface="Segoe UI" pitchFamily="34" charset="0"/>
             </a:endParaRPr>
+          </a:p>
+        </p:txBody>
+      </p:sp>
+      <p:sp>
+        <p:nvSpPr>
+          <p:cNvPr id="17" name="Title 16">
+            <a:extLst>
+              <a:ext uri="{FF2B5EF4-FFF2-40B4-BE49-F238E27FC236}">
+                <a16:creationId xmlns:a16="http://schemas.microsoft.com/office/drawing/2014/main" id="{DCE223A3-CCB7-B5C2-C8D9-5C6F328CA17B}"/>
+              </a:ext>
+            </a:extLst>
+          </p:cNvPr>
+          <p:cNvSpPr>
+            <a:spLocks noGrp="1"/>
+          </p:cNvSpPr>
+          <p:nvPr>
+            <p:ph type="title"/>
+          </p:nvPr>
+        </p:nvSpPr>
+        <p:spPr/>
+        <p:txBody>
+          <a:bodyPr/>
+          <a:lstStyle/>
+          <a:p>
+            <a:pPr algn="ctr"/>
+            <a:r>
+              <a:rPr lang="en-US" dirty="0"/>
+              <a:t>Training</a:t>
+            </a:r>
           </a:p>
         </p:txBody>
       </p:sp>
@@ -27229,29 +27296,72 @@
               <a:ext uri="{FF2B5EF4-FFF2-40B4-BE49-F238E27FC236}">
                 <a16:creationId xmlns:a16="http://schemas.microsoft.com/office/drawing/2014/main" id="{B63B20E0-E600-9814-60D8-237997C507D7}"/>
               </a:ext>
+              <a:ext uri="{C183D7F6-B498-43B3-948B-1728B52AA6E4}">
+                <adec:decorative xmlns:adec="http://schemas.microsoft.com/office/drawing/2017/decorative" val="1"/>
+              </a:ext>
             </a:extLst>
           </p:cNvPr>
           <p:cNvSpPr>
-            <a:spLocks noGrp="1"/>
+            <a:spLocks/>
           </p:cNvSpPr>
-          <p:nvPr>
-            <p:ph type="title"/>
-          </p:nvPr>
+          <p:nvPr/>
         </p:nvSpPr>
         <p:spPr>
           <a:xfrm>
             <a:off x="588263" y="588963"/>
             <a:ext cx="4158362" cy="2535236"/>
           </a:xfrm>
+          <a:prstGeom prst="rect">
+            <a:avLst/>
+          </a:prstGeom>
+          <a:noFill/>
+          <a:ln>
+            <a:noFill/>
+            <a:prstDash/>
+          </a:ln>
+          <a:effectLst/>
         </p:spPr>
         <p:txBody>
-          <a:bodyPr wrap="square" anchor="b">
+          <a:bodyPr rot="0" spcFirstLastPara="0" vertOverflow="overflow" horzOverflow="overflow" vert="horz" wrap="square" lIns="0" tIns="0" rIns="0" bIns="0" numCol="1" spcCol="0" rtlCol="0" fromWordArt="0" anchor="b" anchorCtr="0" forceAA="0" compatLnSpc="1">
+            <a:prstTxWarp prst="textNoShape">
+              <a:avLst/>
+            </a:prstTxWarp>
             <a:normAutofit/>
           </a:bodyPr>
           <a:lstStyle/>
           <a:p>
-            <a:r>
-              <a:rPr lang="en-US" dirty="0"/>
+            <a:pPr marL="0" marR="0" lvl="0" indent="0" algn="l" defTabSz="932742" rtl="0" eaLnBrk="1" fontAlgn="auto" latinLnBrk="0" hangingPunct="1">
+              <a:lnSpc>
+                <a:spcPct val="100000"/>
+              </a:lnSpc>
+              <a:spcBef>
+                <a:spcPct val="0"/>
+              </a:spcBef>
+              <a:spcAft>
+                <a:spcPts val="0"/>
+              </a:spcAft>
+              <a:buClrTx/>
+              <a:buSzTx/>
+              <a:buFontTx/>
+              <a:buNone/>
+              <a:tabLst/>
+              <a:defRPr/>
+            </a:pPr>
+            <a:r>
+              <a:rPr kumimoji="0" lang="en-US" sz="3600" b="0" i="0" u="none" strike="noStrike" kern="1200" cap="none" spc="-50" normalizeH="0" baseline="0" noProof="0" dirty="0">
+                <a:ln w="3175">
+                  <a:noFill/>
+                </a:ln>
+                <a:solidFill>
+                  <a:schemeClr val="tx2"/>
+                </a:solidFill>
+                <a:effectLst/>
+                <a:uLnTx/>
+                <a:uFillTx/>
+                <a:latin typeface="+mj-lt"/>
+                <a:ea typeface="+mn-ea"/>
+                <a:cs typeface="Segoe UI" pitchFamily="34" charset="0"/>
+              </a:rPr>
               <a:t>Tokens</a:t>
             </a:r>
           </a:p>
@@ -27287,22 +27397,14 @@
           <a:p>
             <a:r>
               <a:rPr lang="en-US" dirty="0"/>
-              <a:t>LLM don’t work with words, but with </a:t>
-            </a:r>
-            <a:r>
-              <a:rPr lang="en-US"/>
-              <a:t>tokens</a:t>
-            </a:r>
-            <a:r>
-              <a:rPr lang="en-US" dirty="0"/>
-              <a:t>.</a:t>
+              <a:t>LLM don’t work with words, but with tokens.</a:t>
             </a:r>
           </a:p>
         </p:txBody>
       </p:sp>
       <p:pic>
         <p:nvPicPr>
-          <p:cNvPr id="7" name="Picture 6">
+          <p:cNvPr id="7" name="Picture 6" descr="Screenshot of OpenAI tokenizer showing how a text is split into tokens">
             <a:extLst>
               <a:ext uri="{FF2B5EF4-FFF2-40B4-BE49-F238E27FC236}">
                 <a16:creationId xmlns:a16="http://schemas.microsoft.com/office/drawing/2014/main" id="{3112D05B-215E-FAFA-C728-221FD91E79FC}"/>
@@ -27331,6 +27433,83 @@
           <a:noFill/>
         </p:spPr>
       </p:pic>
+      <p:sp>
+        <p:nvSpPr>
+          <p:cNvPr id="2" name="Title 1">
+            <a:extLst>
+              <a:ext uri="{FF2B5EF4-FFF2-40B4-BE49-F238E27FC236}">
+                <a16:creationId xmlns:a16="http://schemas.microsoft.com/office/drawing/2014/main" id="{7DAA8CF6-1777-D1F7-A5C2-73F3081E6F3B}"/>
+              </a:ext>
+            </a:extLst>
+          </p:cNvPr>
+          <p:cNvSpPr txBox="1">
+            <a:spLocks noGrp="1"/>
+          </p:cNvSpPr>
+          <p:nvPr>
+            <p:ph type="title" idx="4294967295"/>
+          </p:nvPr>
+        </p:nvSpPr>
+        <p:spPr>
+          <a:xfrm>
+            <a:off x="182880" y="7086600"/>
+            <a:ext cx="1337482" cy="307777"/>
+          </a:xfrm>
+          <a:prstGeom prst="rect">
+            <a:avLst/>
+          </a:prstGeom>
+          <a:noFill/>
+          <a:ln>
+            <a:noFill/>
+            <a:prstDash/>
+          </a:ln>
+          <a:effectLst/>
+        </p:spPr>
+        <p:txBody>
+          <a:bodyPr rot="0" spcFirstLastPara="0" vertOverflow="overflow" horzOverflow="overflow" vert="horz" wrap="none" lIns="0" tIns="0" rIns="0" bIns="0" numCol="1" spcCol="0" rtlCol="0" fromWordArt="0" anchor="t" anchorCtr="0" forceAA="0" compatLnSpc="1">
+            <a:prstTxWarp prst="textNoShape">
+              <a:avLst/>
+            </a:prstTxWarp>
+            <a:spAutoFit/>
+          </a:bodyPr>
+          <a:lstStyle/>
+          <a:p>
+            <a:pPr marL="0" marR="0" lvl="0" indent="0" algn="l" defTabSz="914400" rtl="0" eaLnBrk="1" fontAlgn="auto" latinLnBrk="0" hangingPunct="1">
+              <a:lnSpc>
+                <a:spcPct val="100000"/>
+              </a:lnSpc>
+              <a:spcBef>
+                <a:spcPts val="0"/>
+              </a:spcBef>
+              <a:spcAft>
+                <a:spcPts val="0"/>
+              </a:spcAft>
+              <a:buClrTx/>
+              <a:buSzTx/>
+              <a:buFontTx/>
+              <a:buNone/>
+              <a:tabLst/>
+              <a:defRPr/>
+            </a:pPr>
+            <a:r>
+              <a:rPr kumimoji="0" lang="en-FR" sz="2000" b="0" i="0" u="none" strike="noStrike" kern="1200" cap="none" spc="0" normalizeH="0" baseline="0" noProof="0" dirty="0">
+                <a:ln>
+                  <a:noFill/>
+                </a:ln>
+                <a:solidFill>
+                  <a:schemeClr val="tx1"/>
+                </a:solidFill>
+                <a:effectLst/>
+                <a:uLnTx/>
+                <a:uFillTx/>
+                <a:latin typeface="+mn-lt"/>
+                <a:ea typeface="+mn-ea"/>
+                <a:cs typeface="+mn-cs"/>
+              </a:rPr>
+              <a:t>Tokens (1/2)</a:t>
+            </a:r>
+          </a:p>
+        </p:txBody>
+      </p:sp>
     </p:spTree>
     <p:extLst>
       <p:ext uri="{BB962C8B-B14F-4D97-AF65-F5344CB8AC3E}">
@@ -27386,29 +27565,72 @@
               <a:ext uri="{FF2B5EF4-FFF2-40B4-BE49-F238E27FC236}">
                 <a16:creationId xmlns:a16="http://schemas.microsoft.com/office/drawing/2014/main" id="{380772B4-A54B-27F6-AF6A-155728089A42}"/>
               </a:ext>
+              <a:ext uri="{C183D7F6-B498-43B3-948B-1728B52AA6E4}">
+                <adec:decorative xmlns:adec="http://schemas.microsoft.com/office/drawing/2017/decorative" val="1"/>
+              </a:ext>
             </a:extLst>
           </p:cNvPr>
           <p:cNvSpPr>
-            <a:spLocks noGrp="1"/>
+            <a:spLocks/>
           </p:cNvSpPr>
-          <p:nvPr>
-            <p:ph type="title"/>
-          </p:nvPr>
+          <p:nvPr/>
         </p:nvSpPr>
         <p:spPr>
           <a:xfrm>
             <a:off x="588263" y="588963"/>
             <a:ext cx="4158362" cy="2535236"/>
           </a:xfrm>
+          <a:prstGeom prst="rect">
+            <a:avLst/>
+          </a:prstGeom>
+          <a:noFill/>
+          <a:ln>
+            <a:noFill/>
+            <a:prstDash/>
+          </a:ln>
+          <a:effectLst/>
         </p:spPr>
         <p:txBody>
-          <a:bodyPr wrap="square" anchor="b">
+          <a:bodyPr rot="0" spcFirstLastPara="0" vertOverflow="overflow" horzOverflow="overflow" vert="horz" wrap="square" lIns="0" tIns="0" rIns="0" bIns="0" numCol="1" spcCol="0" rtlCol="0" fromWordArt="0" anchor="b" anchorCtr="0" forceAA="0" compatLnSpc="1">
+            <a:prstTxWarp prst="textNoShape">
+              <a:avLst/>
+            </a:prstTxWarp>
             <a:normAutofit/>
           </a:bodyPr>
           <a:lstStyle/>
           <a:p>
-            <a:r>
-              <a:rPr lang="en-US" dirty="0"/>
+            <a:pPr marL="0" marR="0" lvl="0" indent="0" algn="l" defTabSz="932742" rtl="0" eaLnBrk="1" fontAlgn="auto" latinLnBrk="0" hangingPunct="1">
+              <a:lnSpc>
+                <a:spcPct val="100000"/>
+              </a:lnSpc>
+              <a:spcBef>
+                <a:spcPct val="0"/>
+              </a:spcBef>
+              <a:spcAft>
+                <a:spcPts val="0"/>
+              </a:spcAft>
+              <a:buClrTx/>
+              <a:buSzTx/>
+              <a:buFontTx/>
+              <a:buNone/>
+              <a:tabLst/>
+              <a:defRPr/>
+            </a:pPr>
+            <a:r>
+              <a:rPr kumimoji="0" lang="en-US" sz="3600" b="0" i="0" u="none" strike="noStrike" kern="1200" cap="none" spc="-50" normalizeH="0" baseline="0" noProof="0" dirty="0">
+                <a:ln w="3175">
+                  <a:noFill/>
+                </a:ln>
+                <a:solidFill>
+                  <a:schemeClr val="tx2"/>
+                </a:solidFill>
+                <a:effectLst/>
+                <a:uLnTx/>
+                <a:uFillTx/>
+                <a:latin typeface="+mj-lt"/>
+                <a:ea typeface="+mn-ea"/>
+                <a:cs typeface="Segoe UI" pitchFamily="34" charset="0"/>
+              </a:rPr>
               <a:t>Tokens</a:t>
             </a:r>
           </a:p>
@@ -27459,7 +27681,7 @@
       </p:sp>
       <p:pic>
         <p:nvPicPr>
-          <p:cNvPr id="7" name="Picture 6">
+          <p:cNvPr id="7" name="Picture 6" descr="Screenshot of OpenAI tokenizer showing how a text is split into tokens, this time with corresponding numbers">
             <a:extLst>
               <a:ext uri="{FF2B5EF4-FFF2-40B4-BE49-F238E27FC236}">
                 <a16:creationId xmlns:a16="http://schemas.microsoft.com/office/drawing/2014/main" id="{26F3DD00-4A55-B2B7-9D90-4EC1EFF1427A}"/>
@@ -27493,6 +27715,83 @@
           <a:noFill/>
         </p:spPr>
       </p:pic>
+      <p:sp>
+        <p:nvSpPr>
+          <p:cNvPr id="2" name="Title 1">
+            <a:extLst>
+              <a:ext uri="{FF2B5EF4-FFF2-40B4-BE49-F238E27FC236}">
+                <a16:creationId xmlns:a16="http://schemas.microsoft.com/office/drawing/2014/main" id="{A514F384-6932-AC5F-E923-55F08304E8D9}"/>
+              </a:ext>
+            </a:extLst>
+          </p:cNvPr>
+          <p:cNvSpPr txBox="1">
+            <a:spLocks noGrp="1"/>
+          </p:cNvSpPr>
+          <p:nvPr>
+            <p:ph type="title" idx="4294967295"/>
+          </p:nvPr>
+        </p:nvSpPr>
+        <p:spPr>
+          <a:xfrm>
+            <a:off x="182880" y="7086600"/>
+            <a:ext cx="1377557" cy="307777"/>
+          </a:xfrm>
+          <a:prstGeom prst="rect">
+            <a:avLst/>
+          </a:prstGeom>
+          <a:noFill/>
+          <a:ln>
+            <a:noFill/>
+            <a:prstDash/>
+          </a:ln>
+          <a:effectLst/>
+        </p:spPr>
+        <p:txBody>
+          <a:bodyPr rot="0" spcFirstLastPara="0" vertOverflow="overflow" horzOverflow="overflow" vert="horz" wrap="none" lIns="0" tIns="0" rIns="0" bIns="0" numCol="1" spcCol="0" rtlCol="0" fromWordArt="0" anchor="t" anchorCtr="0" forceAA="0" compatLnSpc="1">
+            <a:prstTxWarp prst="textNoShape">
+              <a:avLst/>
+            </a:prstTxWarp>
+            <a:spAutoFit/>
+          </a:bodyPr>
+          <a:lstStyle/>
+          <a:p>
+            <a:pPr marL="0" marR="0" lvl="0" indent="0" algn="l" defTabSz="914400" rtl="0" eaLnBrk="1" fontAlgn="auto" latinLnBrk="0" hangingPunct="1">
+              <a:lnSpc>
+                <a:spcPct val="100000"/>
+              </a:lnSpc>
+              <a:spcBef>
+                <a:spcPts val="0"/>
+              </a:spcBef>
+              <a:spcAft>
+                <a:spcPts val="0"/>
+              </a:spcAft>
+              <a:buClrTx/>
+              <a:buSzTx/>
+              <a:buFontTx/>
+              <a:buNone/>
+              <a:tabLst/>
+              <a:defRPr/>
+            </a:pPr>
+            <a:r>
+              <a:rPr kumimoji="0" lang="en-FR" sz="2000" b="0" i="0" u="none" strike="noStrike" kern="1200" cap="none" spc="0" normalizeH="0" baseline="0" noProof="0" dirty="0">
+                <a:ln>
+                  <a:noFill/>
+                </a:ln>
+                <a:solidFill>
+                  <a:schemeClr val="tx1"/>
+                </a:solidFill>
+                <a:effectLst/>
+                <a:uLnTx/>
+                <a:uFillTx/>
+                <a:latin typeface="+mn-lt"/>
+                <a:ea typeface="+mn-ea"/>
+                <a:cs typeface="+mn-cs"/>
+              </a:rPr>
+              <a:t>Tokens (2/2)</a:t>
+            </a:r>
+          </a:p>
+        </p:txBody>
+      </p:sp>
     </p:spTree>
     <p:extLst>
       <p:ext uri="{BB962C8B-B14F-4D97-AF65-F5344CB8AC3E}">
@@ -27534,7 +27833,7 @@
       </p:grpSpPr>
       <p:pic>
         <p:nvPicPr>
-          <p:cNvPr id="7" name="Picture 6">
+          <p:cNvPr id="7" name="Picture 6" descr="Screenshot of OpenAI tokenizer showing how a text is split into tokens. The keyword “function” corresponds to the number “1723”">
             <a:extLst>
               <a:ext uri="{FF2B5EF4-FFF2-40B4-BE49-F238E27FC236}">
                 <a16:creationId xmlns:a16="http://schemas.microsoft.com/office/drawing/2014/main" id="{3A226725-9D3F-4582-46C1-889C7B2FE325}"/>
@@ -27574,6 +27873,9 @@
             <a:extLst>
               <a:ext uri="{FF2B5EF4-FFF2-40B4-BE49-F238E27FC236}">
                 <a16:creationId xmlns:a16="http://schemas.microsoft.com/office/drawing/2014/main" id="{D2C2B8F0-F43D-D9F9-7C3D-DAE814CFE4A2}"/>
+              </a:ext>
+              <a:ext uri="{C183D7F6-B498-43B3-948B-1728B52AA6E4}">
+                <adec:decorative xmlns:adec="http://schemas.microsoft.com/office/drawing/2017/decorative" val="1"/>
               </a:ext>
             </a:extLst>
           </p:cNvPr>
@@ -27642,6 +27944,9 @@
               <a:ext uri="{FF2B5EF4-FFF2-40B4-BE49-F238E27FC236}">
                 <a16:creationId xmlns:a16="http://schemas.microsoft.com/office/drawing/2014/main" id="{22FAA1EB-13BC-94C2-C874-0DED9FC3BE18}"/>
               </a:ext>
+              <a:ext uri="{C183D7F6-B498-43B3-948B-1728B52AA6E4}">
+                <adec:decorative xmlns:adec="http://schemas.microsoft.com/office/drawing/2017/decorative" val="1"/>
+              </a:ext>
             </a:extLst>
           </p:cNvPr>
           <p:cNvPicPr>
@@ -27671,6 +27976,9 @@
             <a:extLst>
               <a:ext uri="{FF2B5EF4-FFF2-40B4-BE49-F238E27FC236}">
                 <a16:creationId xmlns:a16="http://schemas.microsoft.com/office/drawing/2014/main" id="{E2B01FFB-3669-9292-1677-8BF994438184}"/>
+              </a:ext>
+              <a:ext uri="{C183D7F6-B498-43B3-948B-1728B52AA6E4}">
+                <adec:decorative xmlns:adec="http://schemas.microsoft.com/office/drawing/2017/decorative" val="1"/>
               </a:ext>
             </a:extLst>
           </p:cNvPr>
@@ -27729,6 +28037,46 @@
               <a:ea typeface="Segoe UI" pitchFamily="34" charset="0"/>
               <a:cs typeface="Segoe UI" pitchFamily="34" charset="0"/>
             </a:endParaRPr>
+          </a:p>
+        </p:txBody>
+      </p:sp>
+      <p:sp>
+        <p:nvSpPr>
+          <p:cNvPr id="3" name="Title 2">
+            <a:extLst>
+              <a:ext uri="{FF2B5EF4-FFF2-40B4-BE49-F238E27FC236}">
+                <a16:creationId xmlns:a16="http://schemas.microsoft.com/office/drawing/2014/main" id="{1E833D40-B1D6-DCF4-3153-4198A2929DCC}"/>
+              </a:ext>
+            </a:extLst>
+          </p:cNvPr>
+          <p:cNvSpPr>
+            <a:spLocks noGrp="1"/>
+          </p:cNvSpPr>
+          <p:nvPr>
+            <p:ph type="title"/>
+          </p:nvPr>
+        </p:nvSpPr>
+        <p:spPr>
+          <a:xfrm>
+            <a:off x="123562" y="7331863"/>
+            <a:ext cx="7755517" cy="369332"/>
+          </a:xfrm>
+        </p:spPr>
+        <p:txBody>
+          <a:bodyPr vert="horz" wrap="square" lIns="0" tIns="0" rIns="0" bIns="0" rtlCol="0" anchor="b">
+            <a:spAutoFit/>
+          </a:bodyPr>
+          <a:lstStyle/>
+          <a:p>
+            <a:r>
+              <a:rPr lang="en-FR" sz="2400" dirty="0">
+                <a:solidFill>
+                  <a:schemeClr val="tx1"/>
+                </a:solidFill>
+                <a:latin typeface="+mn-lt"/>
+              </a:rPr>
+              <a:t>Tokens: text vs numbers</a:t>
+            </a:r>
           </a:p>
         </p:txBody>
       </p:sp>

--- a/slides/01-llms.pptx
+++ b/slides/01-llms.pptx
@@ -386,7 +386,7 @@
           <a:p>
             <a:fld id="{855B53BB-9CA8-4E36-AA7C-C10D869BF69A}" type="datetimeFigureOut">
               <a:rPr lang="en-US" smtClean="0"/>
-              <a:t>9/27/24</a:t>
+              <a:t>9/30/24</a:t>
             </a:fld>
             <a:endParaRPr lang="en-US"/>
           </a:p>
@@ -1072,7 +1072,7 @@
                 <a:tabLst/>
                 <a:defRPr/>
               </a:pPr>
-              <a:t>9/27/24 3:45 PM</a:t>
+              <a:t>9/30/24 2:16 PM</a:t>
             </a:fld>
             <a:endParaRPr kumimoji="0" lang="en-US" sz="1200" b="0" i="0" u="none" strike="noStrike" kern="1200" cap="none" spc="0" normalizeH="0" baseline="0" noProof="0" dirty="0">
               <a:ln>
@@ -1394,12 +1394,12 @@
           </a:p>
           <a:p>
             <a:r>
+              <a:rPr lang="en-FR" i="1"/>
+              <a:t>Next session: </a:t>
+            </a:r>
+            <a:r>
               <a:rPr lang="en-FR" i="1" dirty="0"/>
-              <a:t>Next video: essential prompt </a:t>
-            </a:r>
-            <a:r>
-              <a:rPr lang="en-FR" i="1"/>
-              <a:t>engineering techniques, that will help you get the best out of AI models.</a:t>
+              <a:t>essential prompt engineering techniques, that will help you get the best out of AI models.</a:t>
             </a:r>
             <a:endParaRPr lang="en-US" i="1" dirty="0"/>
           </a:p>
@@ -1596,7 +1596,7 @@
                 <a:tabLst/>
                 <a:defRPr/>
               </a:pPr>
-              <a:t>9/27/24 3:45 PM</a:t>
+              <a:t>9/30/24 2:16 PM</a:t>
             </a:fld>
             <a:endParaRPr kumimoji="0" lang="en-US" sz="1200" b="0" i="0" u="none" strike="noStrike" kern="1200" cap="none" spc="0" normalizeH="0" baseline="0" noProof="0" dirty="0">
               <a:ln>
@@ -2061,7 +2061,7 @@
                 <a:tabLst/>
                 <a:defRPr/>
               </a:pPr>
-              <a:t>9/27/24 3:45 PM</a:t>
+              <a:t>9/30/24 2:16 PM</a:t>
             </a:fld>
             <a:endParaRPr kumimoji="0" lang="en-US" sz="1200" b="0" i="0" u="none" strike="noStrike" kern="1200" cap="none" spc="0" normalizeH="0" baseline="0" noProof="0" dirty="0">
               <a:ln>
@@ -2466,7 +2466,7 @@
                 <a:tabLst/>
                 <a:defRPr/>
               </a:pPr>
-              <a:t>9/27/24 3:45 PM</a:t>
+              <a:t>9/30/24 2:16 PM</a:t>
             </a:fld>
             <a:endParaRPr kumimoji="0" lang="en-US" sz="1200" b="0" i="0" u="none" strike="noStrike" kern="1200" cap="none" spc="0" normalizeH="0" baseline="0" noProof="0" dirty="0">
               <a:ln>
@@ -2917,7 +2917,7 @@
                 <a:tabLst/>
                 <a:defRPr/>
               </a:pPr>
-              <a:t>9/27/24 3:45 PM</a:t>
+              <a:t>9/30/24 2:16 PM</a:t>
             </a:fld>
             <a:endParaRPr kumimoji="0" lang="en-US" sz="1200" b="0" i="0" u="none" strike="noStrike" kern="1200" cap="none" spc="0" normalizeH="0" baseline="0" noProof="0" dirty="0">
               <a:ln>
@@ -3587,7 +3587,7 @@
                 <a:tabLst/>
                 <a:defRPr/>
               </a:pPr>
-              <a:t>9/27/24 3:45 PM</a:t>
+              <a:t>9/30/24 2:16 PM</a:t>
             </a:fld>
             <a:endParaRPr kumimoji="0" lang="en-US" sz="1200" b="0" i="0" u="none" strike="noStrike" kern="1200" cap="none" spc="0" normalizeH="0" baseline="0" noProof="0" dirty="0">
               <a:ln>
@@ -4174,7 +4174,7 @@
                 <a:tabLst/>
                 <a:defRPr/>
               </a:pPr>
-              <a:t>9/27/24 3:45 PM</a:t>
+              <a:t>9/30/24 2:16 PM</a:t>
             </a:fld>
             <a:endParaRPr kumimoji="0" lang="en-US" sz="1200" b="0" i="0" u="none" strike="noStrike" kern="1200" cap="none" spc="0" normalizeH="0" baseline="0" noProof="0" dirty="0">
               <a:ln>
@@ -4555,7 +4555,7 @@
                 <a:tabLst/>
                 <a:defRPr/>
               </a:pPr>
-              <a:t>9/27/24 3:45 PM</a:t>
+              <a:t>9/30/24 2:16 PM</a:t>
             </a:fld>
             <a:endParaRPr kumimoji="0" lang="en-US" sz="1200" b="0" i="0" u="none" strike="noStrike" kern="1200" cap="none" spc="0" normalizeH="0" baseline="0" noProof="0" dirty="0">
               <a:ln>
@@ -4946,7 +4946,7 @@
                 <a:tabLst/>
                 <a:defRPr/>
               </a:pPr>
-              <a:t>9/27/24 3:45 PM</a:t>
+              <a:t>9/30/24 2:16 PM</a:t>
             </a:fld>
             <a:endParaRPr kumimoji="0" lang="en-US" sz="1200" b="0" i="0" u="none" strike="noStrike" kern="1200" cap="none" spc="0" normalizeH="0" baseline="0" noProof="0" dirty="0">
               <a:ln>
@@ -5489,7 +5489,7 @@
                 <a:tabLst/>
                 <a:defRPr/>
               </a:pPr>
-              <a:t>9/27/24 3:45 PM</a:t>
+              <a:t>9/30/24 2:16 PM</a:t>
             </a:fld>
             <a:endParaRPr kumimoji="0" lang="en-US" sz="1200" b="0" i="0" u="none" strike="noStrike" kern="1200" cap="none" spc="0" normalizeH="0" baseline="0" noProof="0" dirty="0">
               <a:ln>
